--- a/Calendario2024/Presentaciones/1_Configuracion.pptx
+++ b/Calendario2024/Presentaciones/1_Configuracion.pptx
@@ -457,7 +457,7 @@
                   <a:spcPct val="100000"/>
                 </a:lnSpc>
               </a:pPr>
-              <a:t>‹Nº›</a:t>
+              <a:t>‹#›</a:t>
             </a:fld>
             <a:endParaRPr lang="es-ES" sz="800"/>
           </a:p>
@@ -726,7 +726,7 @@
               <a:pPr>
                 <a:defRPr/>
               </a:pPr>
-              <a:t>‹Nº›</a:t>
+              <a:t>‹#›</a:t>
             </a:fld>
             <a:endParaRPr lang="es-ES"/>
           </a:p>
@@ -768,7 +768,7 @@
               </a14:hiddenFill>
             </a:ext>
             <a:ext uri="{FAA26D3D-D897-4be2-8F04-BA451C77F1D7}">
-              <ma14:placeholderFlag xmlns:ma14="http://schemas.microsoft.com/office/mac/drawingml/2011/main" xmlns:mc="http://schemas.openxmlformats.org/markup-compatibility/2006" xmlns:a14="http://schemas.microsoft.com/office/drawing/2010/main" xmlns:c="http://schemas.openxmlformats.org/drawingml/2006/chart" xmlns:dgm="http://schemas.openxmlformats.org/drawingml/2006/diagram" xmlns:cdr="http://schemas.openxmlformats.org/drawingml/2006/chartDrawing" xmlns:wne="http://schemas.microsoft.com/office/powerpoint/2006/powerpointml" xmlns:wp="http://schemas.openxmlformats.org/drawingml/2006/powerpointprocessingDrawing" xmlns:v="urn:schemas-microsoft-com:vml" xmlns:o="urn:schemas-microsoft-com:office:office" xmlns="" val="1"/>
+              <ma14:placeholderFlag xmlns="" xmlns:o="urn:schemas-microsoft-com:office:office" xmlns:v="urn:schemas-microsoft-com:vml" xmlns:wp="http://schemas.openxmlformats.org/drawingml/2006/powerpointprocessingDrawing" xmlns:wne="http://schemas.microsoft.com/office/powerpoint/2006/powerpointml" xmlns:cdr="http://schemas.openxmlformats.org/drawingml/2006/chartDrawing" xmlns:dgm="http://schemas.openxmlformats.org/drawingml/2006/diagram" xmlns:c="http://schemas.openxmlformats.org/drawingml/2006/chart" xmlns:a14="http://schemas.microsoft.com/office/drawing/2010/main" xmlns:mc="http://schemas.openxmlformats.org/markup-compatibility/2006" xmlns:ma14="http://schemas.microsoft.com/office/mac/drawingml/2011/main" val="1"/>
             </a:ext>
           </a:extLst>
         </p:spPr>
@@ -5183,7 +5183,7 @@
                   <a:spcPct val="100000"/>
                 </a:lnSpc>
               </a:pPr>
-              <a:t>‹Nº›</a:t>
+              <a:t>‹#›</a:t>
             </a:fld>
             <a:endParaRPr lang="es-ES" sz="1000">
               <a:solidFill>
@@ -6008,7 +6008,7 @@
                   <a:spcPct val="100000"/>
                 </a:lnSpc>
               </a:pPr>
-              <a:t>‹Nº›</a:t>
+              <a:t>‹#›</a:t>
             </a:fld>
             <a:endParaRPr lang="es-ES" sz="1000">
               <a:solidFill>
@@ -9099,7 +9099,7 @@
               </a14:hiddenLine>
             </a:ext>
             <a:ext uri="{FAA26D3D-D897-4be2-8F04-BA451C77F1D7}">
-              <ma14:placeholderFlag xmlns:ma14="http://schemas.microsoft.com/office/mac/drawingml/2011/main" xmlns:mc="http://schemas.openxmlformats.org/markup-compatibility/2006" xmlns:a14="http://schemas.microsoft.com/office/drawing/2010/main" xmlns:c="http://schemas.openxmlformats.org/drawingml/2006/chart" xmlns:dgm="http://schemas.openxmlformats.org/drawingml/2006/diagram" xmlns:cdr="http://schemas.openxmlformats.org/drawingml/2006/chartDrawing" xmlns:wne="http://schemas.microsoft.com/office/powerpoint/2006/powerpointml" xmlns:wp="http://schemas.openxmlformats.org/drawingml/2006/powerpointprocessingDrawing" xmlns:v="urn:schemas-microsoft-com:vml" xmlns:o="urn:schemas-microsoft-com:office:office" xmlns="" val="1"/>
+              <ma14:placeholderFlag xmlns="" xmlns:o="urn:schemas-microsoft-com:office:office" xmlns:v="urn:schemas-microsoft-com:vml" xmlns:wp="http://schemas.openxmlformats.org/drawingml/2006/powerpointprocessingDrawing" xmlns:wne="http://schemas.microsoft.com/office/powerpoint/2006/powerpointml" xmlns:cdr="http://schemas.openxmlformats.org/drawingml/2006/chartDrawing" xmlns:dgm="http://schemas.openxmlformats.org/drawingml/2006/diagram" xmlns:c="http://schemas.openxmlformats.org/drawingml/2006/chart" xmlns:a14="http://schemas.microsoft.com/office/drawing/2010/main" xmlns:mc="http://schemas.openxmlformats.org/markup-compatibility/2006" xmlns:ma14="http://schemas.microsoft.com/office/mac/drawingml/2011/main" val="1"/>
             </a:ext>
           </a:extLst>
         </p:spPr>
@@ -9258,7 +9258,7 @@
                   <a:spcPct val="100000"/>
                 </a:lnSpc>
               </a:pPr>
-              <a:t>‹Nº›</a:t>
+              <a:t>‹#›</a:t>
             </a:fld>
             <a:endParaRPr lang="es-ES" sz="1000">
               <a:solidFill>
@@ -9309,7 +9309,7 @@
               </a14:hiddenLine>
             </a:ext>
             <a:ext uri="{FAA26D3D-D897-4be2-8F04-BA451C77F1D7}">
-              <ma14:placeholderFlag xmlns:ma14="http://schemas.microsoft.com/office/mac/drawingml/2011/main" xmlns:mc="http://schemas.openxmlformats.org/markup-compatibility/2006" xmlns:a14="http://schemas.microsoft.com/office/drawing/2010/main" xmlns:c="http://schemas.openxmlformats.org/drawingml/2006/chart" xmlns:dgm="http://schemas.openxmlformats.org/drawingml/2006/diagram" xmlns:cdr="http://schemas.openxmlformats.org/drawingml/2006/chartDrawing" xmlns:wne="http://schemas.microsoft.com/office/powerpoint/2006/powerpointml" xmlns:wp="http://schemas.openxmlformats.org/drawingml/2006/powerpointprocessingDrawing" xmlns:v="urn:schemas-microsoft-com:vml" xmlns:o="urn:schemas-microsoft-com:office:office" xmlns="" val="1"/>
+              <ma14:placeholderFlag xmlns="" xmlns:o="urn:schemas-microsoft-com:office:office" xmlns:v="urn:schemas-microsoft-com:vml" xmlns:wp="http://schemas.openxmlformats.org/drawingml/2006/powerpointprocessingDrawing" xmlns:wne="http://schemas.microsoft.com/office/powerpoint/2006/powerpointml" xmlns:cdr="http://schemas.openxmlformats.org/drawingml/2006/chartDrawing" xmlns:dgm="http://schemas.openxmlformats.org/drawingml/2006/diagram" xmlns:c="http://schemas.openxmlformats.org/drawingml/2006/chart" xmlns:a14="http://schemas.microsoft.com/office/drawing/2010/main" xmlns:mc="http://schemas.openxmlformats.org/markup-compatibility/2006" xmlns:ma14="http://schemas.microsoft.com/office/mac/drawingml/2011/main" val="1"/>
             </a:ext>
           </a:extLst>
         </p:spPr>
@@ -10073,7 +10073,7 @@
               </a14:hiddenLine>
             </a:ext>
             <a:ext uri="{FAA26D3D-D897-4be2-8F04-BA451C77F1D7}">
-              <ma14:placeholderFlag xmlns:ma14="http://schemas.microsoft.com/office/mac/drawingml/2011/main" xmlns:mc="http://schemas.openxmlformats.org/markup-compatibility/2006" xmlns:a14="http://schemas.microsoft.com/office/drawing/2010/main" xmlns:c="http://schemas.openxmlformats.org/drawingml/2006/chart" xmlns:dgm="http://schemas.openxmlformats.org/drawingml/2006/diagram" xmlns:cdr="http://schemas.openxmlformats.org/drawingml/2006/chartDrawing" xmlns:wne="http://schemas.microsoft.com/office/powerpoint/2006/powerpointml" xmlns:wp="http://schemas.openxmlformats.org/drawingml/2006/powerpointprocessingDrawing" xmlns:v="urn:schemas-microsoft-com:vml" xmlns:o="urn:schemas-microsoft-com:office:office" xmlns="" val="1"/>
+              <ma14:placeholderFlag xmlns="" xmlns:o="urn:schemas-microsoft-com:office:office" xmlns:v="urn:schemas-microsoft-com:vml" xmlns:wp="http://schemas.openxmlformats.org/drawingml/2006/powerpointprocessingDrawing" xmlns:wne="http://schemas.microsoft.com/office/powerpoint/2006/powerpointml" xmlns:cdr="http://schemas.openxmlformats.org/drawingml/2006/chartDrawing" xmlns:dgm="http://schemas.openxmlformats.org/drawingml/2006/diagram" xmlns:c="http://schemas.openxmlformats.org/drawingml/2006/chart" xmlns:a14="http://schemas.microsoft.com/office/drawing/2010/main" xmlns:mc="http://schemas.openxmlformats.org/markup-compatibility/2006" xmlns:ma14="http://schemas.microsoft.com/office/mac/drawingml/2011/main" val="1"/>
             </a:ext>
           </a:extLst>
         </p:spPr>
@@ -10217,7 +10217,7 @@
                   <a:spcPct val="100000"/>
                 </a:lnSpc>
               </a:pPr>
-              <a:t>‹Nº›</a:t>
+              <a:t>‹#›</a:t>
             </a:fld>
             <a:endParaRPr lang="es-ES" sz="1000">
               <a:solidFill>
@@ -10268,7 +10268,7 @@
               </a14:hiddenLine>
             </a:ext>
             <a:ext uri="{FAA26D3D-D897-4be2-8F04-BA451C77F1D7}">
-              <ma14:placeholderFlag xmlns:ma14="http://schemas.microsoft.com/office/mac/drawingml/2011/main" xmlns:mc="http://schemas.openxmlformats.org/markup-compatibility/2006" xmlns:a14="http://schemas.microsoft.com/office/drawing/2010/main" xmlns:c="http://schemas.openxmlformats.org/drawingml/2006/chart" xmlns:dgm="http://schemas.openxmlformats.org/drawingml/2006/diagram" xmlns:cdr="http://schemas.openxmlformats.org/drawingml/2006/chartDrawing" xmlns:wne="http://schemas.microsoft.com/office/powerpoint/2006/powerpointml" xmlns:wp="http://schemas.openxmlformats.org/drawingml/2006/powerpointprocessingDrawing" xmlns:v="urn:schemas-microsoft-com:vml" xmlns:o="urn:schemas-microsoft-com:office:office" xmlns="" val="1"/>
+              <ma14:placeholderFlag xmlns="" xmlns:o="urn:schemas-microsoft-com:office:office" xmlns:v="urn:schemas-microsoft-com:vml" xmlns:wp="http://schemas.openxmlformats.org/drawingml/2006/powerpointprocessingDrawing" xmlns:wne="http://schemas.microsoft.com/office/powerpoint/2006/powerpointml" xmlns:cdr="http://schemas.openxmlformats.org/drawingml/2006/chartDrawing" xmlns:dgm="http://schemas.openxmlformats.org/drawingml/2006/diagram" xmlns:c="http://schemas.openxmlformats.org/drawingml/2006/chart" xmlns:a14="http://schemas.microsoft.com/office/drawing/2010/main" xmlns:mc="http://schemas.openxmlformats.org/markup-compatibility/2006" xmlns:ma14="http://schemas.microsoft.com/office/mac/drawingml/2011/main" val="1"/>
             </a:ext>
           </a:extLst>
         </p:spPr>
@@ -12608,7 +12608,7 @@
             </a:r>
             <a:r>
               <a:rPr lang="es-ES" sz="2000" b="1" dirty="0"/>
-              <a:t>protocolos de routing dinámico </a:t>
+              <a:t>protocolos de ruteo dinámico </a:t>
             </a:r>
             <a:r>
               <a:rPr lang="es-ES" sz="2000" dirty="0"/>
